--- a/总结报告/绘图.pptx
+++ b/总结报告/绘图.pptx
@@ -262,7 +262,7 @@
           <a:p>
             <a:fld id="{E75B4354-2B9A-4365-80FD-C9AFF67F4FAC}" type="datetimeFigureOut">
               <a:rPr lang="zh-CN" altLang="en-US" smtClean="0"/>
-              <a:t>2020/4/3</a:t>
+              <a:t>2020/4/4</a:t>
             </a:fld>
             <a:endParaRPr lang="zh-CN" altLang="en-US"/>
           </a:p>
@@ -460,7 +460,7 @@
           <a:p>
             <a:fld id="{E75B4354-2B9A-4365-80FD-C9AFF67F4FAC}" type="datetimeFigureOut">
               <a:rPr lang="zh-CN" altLang="en-US" smtClean="0"/>
-              <a:t>2020/4/3</a:t>
+              <a:t>2020/4/4</a:t>
             </a:fld>
             <a:endParaRPr lang="zh-CN" altLang="en-US"/>
           </a:p>
@@ -668,7 +668,7 @@
           <a:p>
             <a:fld id="{E75B4354-2B9A-4365-80FD-C9AFF67F4FAC}" type="datetimeFigureOut">
               <a:rPr lang="zh-CN" altLang="en-US" smtClean="0"/>
-              <a:t>2020/4/3</a:t>
+              <a:t>2020/4/4</a:t>
             </a:fld>
             <a:endParaRPr lang="zh-CN" altLang="en-US"/>
           </a:p>
@@ -866,7 +866,7 @@
           <a:p>
             <a:fld id="{E75B4354-2B9A-4365-80FD-C9AFF67F4FAC}" type="datetimeFigureOut">
               <a:rPr lang="zh-CN" altLang="en-US" smtClean="0"/>
-              <a:t>2020/4/3</a:t>
+              <a:t>2020/4/4</a:t>
             </a:fld>
             <a:endParaRPr lang="zh-CN" altLang="en-US"/>
           </a:p>
@@ -1141,7 +1141,7 @@
           <a:p>
             <a:fld id="{E75B4354-2B9A-4365-80FD-C9AFF67F4FAC}" type="datetimeFigureOut">
               <a:rPr lang="zh-CN" altLang="en-US" smtClean="0"/>
-              <a:t>2020/4/3</a:t>
+              <a:t>2020/4/4</a:t>
             </a:fld>
             <a:endParaRPr lang="zh-CN" altLang="en-US"/>
           </a:p>
@@ -1406,7 +1406,7 @@
           <a:p>
             <a:fld id="{E75B4354-2B9A-4365-80FD-C9AFF67F4FAC}" type="datetimeFigureOut">
               <a:rPr lang="zh-CN" altLang="en-US" smtClean="0"/>
-              <a:t>2020/4/3</a:t>
+              <a:t>2020/4/4</a:t>
             </a:fld>
             <a:endParaRPr lang="zh-CN" altLang="en-US"/>
           </a:p>
@@ -1818,7 +1818,7 @@
           <a:p>
             <a:fld id="{E75B4354-2B9A-4365-80FD-C9AFF67F4FAC}" type="datetimeFigureOut">
               <a:rPr lang="zh-CN" altLang="en-US" smtClean="0"/>
-              <a:t>2020/4/3</a:t>
+              <a:t>2020/4/4</a:t>
             </a:fld>
             <a:endParaRPr lang="zh-CN" altLang="en-US"/>
           </a:p>
@@ -1959,7 +1959,7 @@
           <a:p>
             <a:fld id="{E75B4354-2B9A-4365-80FD-C9AFF67F4FAC}" type="datetimeFigureOut">
               <a:rPr lang="zh-CN" altLang="en-US" smtClean="0"/>
-              <a:t>2020/4/3</a:t>
+              <a:t>2020/4/4</a:t>
             </a:fld>
             <a:endParaRPr lang="zh-CN" altLang="en-US"/>
           </a:p>
@@ -2072,7 +2072,7 @@
           <a:p>
             <a:fld id="{E75B4354-2B9A-4365-80FD-C9AFF67F4FAC}" type="datetimeFigureOut">
               <a:rPr lang="zh-CN" altLang="en-US" smtClean="0"/>
-              <a:t>2020/4/3</a:t>
+              <a:t>2020/4/4</a:t>
             </a:fld>
             <a:endParaRPr lang="zh-CN" altLang="en-US"/>
           </a:p>
@@ -2383,7 +2383,7 @@
           <a:p>
             <a:fld id="{E75B4354-2B9A-4365-80FD-C9AFF67F4FAC}" type="datetimeFigureOut">
               <a:rPr lang="zh-CN" altLang="en-US" smtClean="0"/>
-              <a:t>2020/4/3</a:t>
+              <a:t>2020/4/4</a:t>
             </a:fld>
             <a:endParaRPr lang="zh-CN" altLang="en-US"/>
           </a:p>
@@ -2671,7 +2671,7 @@
           <a:p>
             <a:fld id="{E75B4354-2B9A-4365-80FD-C9AFF67F4FAC}" type="datetimeFigureOut">
               <a:rPr lang="zh-CN" altLang="en-US" smtClean="0"/>
-              <a:t>2020/4/3</a:t>
+              <a:t>2020/4/4</a:t>
             </a:fld>
             <a:endParaRPr lang="zh-CN" altLang="en-US"/>
           </a:p>
@@ -2912,7 +2912,7 @@
           <a:p>
             <a:fld id="{E75B4354-2B9A-4365-80FD-C9AFF67F4FAC}" type="datetimeFigureOut">
               <a:rPr lang="zh-CN" altLang="en-US" smtClean="0"/>
-              <a:t>2020/4/3</a:t>
+              <a:t>2020/4/4</a:t>
             </a:fld>
             <a:endParaRPr lang="zh-CN" altLang="en-US"/>
           </a:p>
@@ -12505,102 +12505,131 @@
           </a:fontRef>
         </p:style>
       </p:cxnSp>
-      <mc:AlternateContent xmlns:mc="http://schemas.openxmlformats.org/markup-compatibility/2006" xmlns:a14="http://schemas.microsoft.com/office/drawing/2010/main">
-        <mc:Choice Requires="a14">
-          <p:sp>
-            <p:nvSpPr>
-              <p:cNvPr id="178" name="文本框 177">
-                <a:extLst>
-                  <a:ext uri="{FF2B5EF4-FFF2-40B4-BE49-F238E27FC236}">
-                    <a16:creationId xmlns:a16="http://schemas.microsoft.com/office/drawing/2014/main" id="{B7370383-7E92-4F93-9208-907986A49F9D}"/>
-                  </a:ext>
-                </a:extLst>
-              </p:cNvPr>
-              <p:cNvSpPr txBox="1"/>
-              <p:nvPr/>
-            </p:nvSpPr>
-            <p:spPr>
-              <a:xfrm>
-                <a:off x="2546083" y="3561021"/>
-                <a:ext cx="792460" cy="261610"/>
-              </a:xfrm>
-              <a:prstGeom prst="rect">
-                <a:avLst/>
-              </a:prstGeom>
-              <a:noFill/>
-            </p:spPr>
-            <p:txBody>
-              <a:bodyPr wrap="none" rtlCol="0">
-                <a:spAutoFit/>
-              </a:bodyPr>
-              <a:lstStyle/>
-              <a:p>
-                <a:pPr/>
-                <a14:m>
-                  <m:oMathPara xmlns:m="http://schemas.openxmlformats.org/officeDocument/2006/math">
-                    <m:oMathParaPr>
-                      <m:jc m:val="centerGroup"/>
-                    </m:oMathParaPr>
-                    <m:oMath xmlns:m="http://schemas.openxmlformats.org/officeDocument/2006/math">
-                      <m:r>
-                        <a:rPr lang="en-US" altLang="zh-CN" sz="1100" b="0" i="1" smtClean="0">
-                          <a:latin typeface="Cambria Math" panose="02040503050406030204" pitchFamily="18" charset="0"/>
-                        </a:rPr>
-                        <m:t>𝑔𝑟𝑎𝑑𝑖𝑒𝑛𝑡</m:t>
-                      </m:r>
-                    </m:oMath>
-                  </m:oMathPara>
-                </a14:m>
-                <a:endParaRPr lang="zh-CN" altLang="en-US" sz="1100" dirty="0"/>
-              </a:p>
-            </p:txBody>
-          </p:sp>
-        </mc:Choice>
-        <mc:Fallback xmlns="">
-          <p:sp>
-            <p:nvSpPr>
-              <p:cNvPr id="178" name="文本框 177">
-                <a:extLst>
-                  <a:ext uri="{FF2B5EF4-FFF2-40B4-BE49-F238E27FC236}">
-                    <a16:creationId xmlns:a16="http://schemas.microsoft.com/office/drawing/2014/main" id="{B7370383-7E92-4F93-9208-907986A49F9D}"/>
-                  </a:ext>
-                </a:extLst>
-              </p:cNvPr>
-              <p:cNvSpPr txBox="1">
-                <a:spLocks noRot="1" noChangeAspect="1" noMove="1" noResize="1" noEditPoints="1" noAdjustHandles="1" noChangeArrowheads="1" noChangeShapeType="1" noTextEdit="1"/>
-              </p:cNvSpPr>
-              <p:nvPr/>
-            </p:nvSpPr>
-            <p:spPr>
-              <a:xfrm>
-                <a:off x="2546083" y="3561021"/>
-                <a:ext cx="792460" cy="261610"/>
-              </a:xfrm>
-              <a:prstGeom prst="rect">
-                <a:avLst/>
-              </a:prstGeom>
-              <a:blipFill>
-                <a:blip r:embed="rId3"/>
-                <a:stretch>
-                  <a:fillRect b="-4651"/>
-                </a:stretch>
-              </a:blipFill>
-            </p:spPr>
-            <p:txBody>
-              <a:bodyPr/>
-              <a:lstStyle/>
-              <a:p>
-                <a:r>
-                  <a:rPr lang="zh-CN" altLang="en-US">
-                    <a:noFill/>
-                  </a:rPr>
-                  <a:t> </a:t>
-                </a:r>
-              </a:p>
-            </p:txBody>
-          </p:sp>
-        </mc:Fallback>
-      </mc:AlternateContent>
+      <p:sp>
+        <p:nvSpPr>
+          <p:cNvPr id="178" name="文本框 177">
+            <a:extLst>
+              <a:ext uri="{FF2B5EF4-FFF2-40B4-BE49-F238E27FC236}">
+                <a16:creationId xmlns:a16="http://schemas.microsoft.com/office/drawing/2014/main" id="{B7370383-7E92-4F93-9208-907986A49F9D}"/>
+              </a:ext>
+            </a:extLst>
+          </p:cNvPr>
+          <p:cNvSpPr txBox="1"/>
+          <p:nvPr/>
+        </p:nvSpPr>
+        <p:spPr>
+          <a:xfrm>
+            <a:off x="2546083" y="3561021"/>
+            <a:ext cx="644728" cy="261610"/>
+          </a:xfrm>
+          <a:prstGeom prst="rect">
+            <a:avLst/>
+          </a:prstGeom>
+          <a:noFill/>
+        </p:spPr>
+        <p:txBody>
+          <a:bodyPr wrap="none" rtlCol="0">
+            <a:spAutoFit/>
+          </a:bodyPr>
+          <a:lstStyle/>
+          <a:p>
+            <a:r>
+              <a:rPr lang="en-US" altLang="zh-CN" sz="1100" dirty="0">
+                <a:latin typeface="Times New Roman" panose="02020603050405020304" pitchFamily="18" charset="0"/>
+                <a:cs typeface="Times New Roman" panose="02020603050405020304" pitchFamily="18" charset="0"/>
+              </a:rPr>
+              <a:t>gradient</a:t>
+            </a:r>
+            <a:endParaRPr lang="zh-CN" altLang="en-US" sz="1100" dirty="0">
+              <a:latin typeface="Times New Roman" panose="02020603050405020304" pitchFamily="18" charset="0"/>
+              <a:cs typeface="Times New Roman" panose="02020603050405020304" pitchFamily="18" charset="0"/>
+            </a:endParaRPr>
+          </a:p>
+        </p:txBody>
+      </p:sp>
+      <p:cxnSp>
+        <p:nvCxnSpPr>
+          <p:cNvPr id="3" name="直接箭头连接符 2">
+            <a:extLst>
+              <a:ext uri="{FF2B5EF4-FFF2-40B4-BE49-F238E27FC236}">
+                <a16:creationId xmlns:a16="http://schemas.microsoft.com/office/drawing/2014/main" id="{0C32A603-7A75-4BBF-AB82-45F3BD3FAA41}"/>
+              </a:ext>
+            </a:extLst>
+          </p:cNvPr>
+          <p:cNvCxnSpPr>
+            <a:cxnSpLocks/>
+          </p:cNvCxnSpPr>
+          <p:nvPr/>
+        </p:nvCxnSpPr>
+        <p:spPr>
+          <a:xfrm>
+            <a:off x="5345430" y="3061356"/>
+            <a:ext cx="158115" cy="0"/>
+          </a:xfrm>
+          <a:prstGeom prst="straightConnector1">
+            <a:avLst/>
+          </a:prstGeom>
+          <a:ln w="12700">
+            <a:tailEnd type="triangle"/>
+          </a:ln>
+        </p:spPr>
+        <p:style>
+          <a:lnRef idx="1">
+            <a:schemeClr val="accent1"/>
+          </a:lnRef>
+          <a:fillRef idx="0">
+            <a:schemeClr val="accent1"/>
+          </a:fillRef>
+          <a:effectRef idx="0">
+            <a:schemeClr val="accent1"/>
+          </a:effectRef>
+          <a:fontRef idx="minor">
+            <a:schemeClr val="tx1"/>
+          </a:fontRef>
+        </p:style>
+      </p:cxnSp>
+      <p:sp>
+        <p:nvSpPr>
+          <p:cNvPr id="8" name="文本框 7">
+            <a:extLst>
+              <a:ext uri="{FF2B5EF4-FFF2-40B4-BE49-F238E27FC236}">
+                <a16:creationId xmlns:a16="http://schemas.microsoft.com/office/drawing/2014/main" id="{5624E8F5-42A7-43F3-BD4B-3DB282F9D95E}"/>
+              </a:ext>
+            </a:extLst>
+          </p:cNvPr>
+          <p:cNvSpPr txBox="1"/>
+          <p:nvPr/>
+        </p:nvSpPr>
+        <p:spPr>
+          <a:xfrm>
+            <a:off x="5424487" y="2122762"/>
+            <a:ext cx="851515" cy="261610"/>
+          </a:xfrm>
+          <a:prstGeom prst="rect">
+            <a:avLst/>
+          </a:prstGeom>
+          <a:noFill/>
+        </p:spPr>
+        <p:txBody>
+          <a:bodyPr wrap="none" rtlCol="0">
+            <a:spAutoFit/>
+          </a:bodyPr>
+          <a:lstStyle/>
+          <a:p>
+            <a:r>
+              <a:rPr lang="en-US" altLang="zh-CN" sz="1100" dirty="0">
+                <a:latin typeface="Times New Roman" panose="02020603050405020304" pitchFamily="18" charset="0"/>
+                <a:cs typeface="Times New Roman" panose="02020603050405020304" pitchFamily="18" charset="0"/>
+              </a:rPr>
+              <a:t>feature map</a:t>
+            </a:r>
+            <a:endParaRPr lang="zh-CN" altLang="en-US" sz="1100" dirty="0">
+              <a:latin typeface="Times New Roman" panose="02020603050405020304" pitchFamily="18" charset="0"/>
+              <a:cs typeface="Times New Roman" panose="02020603050405020304" pitchFamily="18" charset="0"/>
+            </a:endParaRPr>
+          </a:p>
+        </p:txBody>
+      </p:sp>
     </p:spTree>
     <p:extLst>
       <p:ext uri="{BB962C8B-B14F-4D97-AF65-F5344CB8AC3E}">
